--- a/storyboard/Rainbow Defense 스토리보드.pptx
+++ b/storyboard/Rainbow Defense 스토리보드.pptx
@@ -11,12 +11,6 @@
     <p:sldId id="265" r:id="rId5"/>
     <p:sldId id="266" r:id="rId6"/>
     <p:sldId id="258" r:id="rId7"/>
-    <p:sldId id="259" r:id="rId8"/>
-    <p:sldId id="260" r:id="rId9"/>
-    <p:sldId id="261" r:id="rId10"/>
-    <p:sldId id="262" r:id="rId11"/>
-    <p:sldId id="263" r:id="rId12"/>
-    <p:sldId id="264" r:id="rId13"/>
   </p:sldIdLst>
   <p:sldSz cx="12192000" cy="6858000"/>
   <p:notesSz cx="6858000" cy="9144000"/>
@@ -270,7 +264,7 @@
           <a:p>
             <a:fld id="{7809F7B2-23C0-48EB-8681-198FC6C52AFF}" type="datetimeFigureOut">
               <a:rPr lang="ko-KR" altLang="en-US" smtClean="0"/>
-              <a:t>2020-08-04</a:t>
+              <a:t>2020-08-07</a:t>
             </a:fld>
             <a:endParaRPr lang="ko-KR" altLang="en-US"/>
           </a:p>
@@ -468,7 +462,7 @@
           <a:p>
             <a:fld id="{7809F7B2-23C0-48EB-8681-198FC6C52AFF}" type="datetimeFigureOut">
               <a:rPr lang="ko-KR" altLang="en-US" smtClean="0"/>
-              <a:t>2020-08-04</a:t>
+              <a:t>2020-08-07</a:t>
             </a:fld>
             <a:endParaRPr lang="ko-KR" altLang="en-US"/>
           </a:p>
@@ -676,7 +670,7 @@
           <a:p>
             <a:fld id="{7809F7B2-23C0-48EB-8681-198FC6C52AFF}" type="datetimeFigureOut">
               <a:rPr lang="ko-KR" altLang="en-US" smtClean="0"/>
-              <a:t>2020-08-04</a:t>
+              <a:t>2020-08-07</a:t>
             </a:fld>
             <a:endParaRPr lang="ko-KR" altLang="en-US"/>
           </a:p>
@@ -874,7 +868,7 @@
           <a:p>
             <a:fld id="{7809F7B2-23C0-48EB-8681-198FC6C52AFF}" type="datetimeFigureOut">
               <a:rPr lang="ko-KR" altLang="en-US" smtClean="0"/>
-              <a:t>2020-08-04</a:t>
+              <a:t>2020-08-07</a:t>
             </a:fld>
             <a:endParaRPr lang="ko-KR" altLang="en-US"/>
           </a:p>
@@ -1149,7 +1143,7 @@
           <a:p>
             <a:fld id="{7809F7B2-23C0-48EB-8681-198FC6C52AFF}" type="datetimeFigureOut">
               <a:rPr lang="ko-KR" altLang="en-US" smtClean="0"/>
-              <a:t>2020-08-04</a:t>
+              <a:t>2020-08-07</a:t>
             </a:fld>
             <a:endParaRPr lang="ko-KR" altLang="en-US"/>
           </a:p>
@@ -1414,7 +1408,7 @@
           <a:p>
             <a:fld id="{7809F7B2-23C0-48EB-8681-198FC6C52AFF}" type="datetimeFigureOut">
               <a:rPr lang="ko-KR" altLang="en-US" smtClean="0"/>
-              <a:t>2020-08-04</a:t>
+              <a:t>2020-08-07</a:t>
             </a:fld>
             <a:endParaRPr lang="ko-KR" altLang="en-US"/>
           </a:p>
@@ -1826,7 +1820,7 @@
           <a:p>
             <a:fld id="{7809F7B2-23C0-48EB-8681-198FC6C52AFF}" type="datetimeFigureOut">
               <a:rPr lang="ko-KR" altLang="en-US" smtClean="0"/>
-              <a:t>2020-08-04</a:t>
+              <a:t>2020-08-07</a:t>
             </a:fld>
             <a:endParaRPr lang="ko-KR" altLang="en-US"/>
           </a:p>
@@ -1967,7 +1961,7 @@
           <a:p>
             <a:fld id="{7809F7B2-23C0-48EB-8681-198FC6C52AFF}" type="datetimeFigureOut">
               <a:rPr lang="ko-KR" altLang="en-US" smtClean="0"/>
-              <a:t>2020-08-04</a:t>
+              <a:t>2020-08-07</a:t>
             </a:fld>
             <a:endParaRPr lang="ko-KR" altLang="en-US"/>
           </a:p>
@@ -2080,7 +2074,7 @@
           <a:p>
             <a:fld id="{7809F7B2-23C0-48EB-8681-198FC6C52AFF}" type="datetimeFigureOut">
               <a:rPr lang="ko-KR" altLang="en-US" smtClean="0"/>
-              <a:t>2020-08-04</a:t>
+              <a:t>2020-08-07</a:t>
             </a:fld>
             <a:endParaRPr lang="ko-KR" altLang="en-US"/>
           </a:p>
@@ -2391,7 +2385,7 @@
           <a:p>
             <a:fld id="{7809F7B2-23C0-48EB-8681-198FC6C52AFF}" type="datetimeFigureOut">
               <a:rPr lang="ko-KR" altLang="en-US" smtClean="0"/>
-              <a:t>2020-08-04</a:t>
+              <a:t>2020-08-07</a:t>
             </a:fld>
             <a:endParaRPr lang="ko-KR" altLang="en-US"/>
           </a:p>
@@ -2679,7 +2673,7 @@
           <a:p>
             <a:fld id="{7809F7B2-23C0-48EB-8681-198FC6C52AFF}" type="datetimeFigureOut">
               <a:rPr lang="ko-KR" altLang="en-US" smtClean="0"/>
-              <a:t>2020-08-04</a:t>
+              <a:t>2020-08-07</a:t>
             </a:fld>
             <a:endParaRPr lang="ko-KR" altLang="en-US"/>
           </a:p>
@@ -2920,7 +2914,7 @@
           <a:p>
             <a:fld id="{7809F7B2-23C0-48EB-8681-198FC6C52AFF}" type="datetimeFigureOut">
               <a:rPr lang="ko-KR" altLang="en-US" smtClean="0"/>
-              <a:t>2020-08-04</a:t>
+              <a:t>2020-08-07</a:t>
             </a:fld>
             <a:endParaRPr lang="ko-KR" altLang="en-US"/>
           </a:p>
@@ -3377,7 +3371,7 @@
           <a:lstStyle/>
           <a:p>
             <a:pPr algn="ctr"/>
-            <a:endParaRPr lang="ko-KR" altLang="en-US"/>
+            <a:endParaRPr lang="ko-KR" altLang="en-US" dirty="0"/>
           </a:p>
         </p:txBody>
       </p:sp>
@@ -3473,7 +3467,7 @@
           <a:lstStyle/>
           <a:p>
             <a:pPr algn="ctr"/>
-            <a:endParaRPr lang="ko-KR" altLang="en-US"/>
+            <a:endParaRPr lang="ko-KR" altLang="en-US" dirty="0"/>
           </a:p>
         </p:txBody>
       </p:sp>
@@ -3608,7 +3602,7 @@
           <a:lstStyle/>
           <a:p>
             <a:pPr algn="ctr"/>
-            <a:endParaRPr lang="ko-KR" altLang="en-US"/>
+            <a:endParaRPr lang="ko-KR" altLang="en-US" dirty="0"/>
           </a:p>
         </p:txBody>
       </p:sp>
@@ -4765,96 +4759,6 @@
     <p:extLst>
       <p:ext uri="{BB962C8B-B14F-4D97-AF65-F5344CB8AC3E}">
         <p14:creationId xmlns:p14="http://schemas.microsoft.com/office/powerpoint/2010/main" val="2988067113"/>
-      </p:ext>
-    </p:extLst>
-  </p:cSld>
-  <p:clrMapOvr>
-    <a:masterClrMapping/>
-  </p:clrMapOvr>
-</p:sld>
-</file>
-
-<file path=ppt/slides/slide10.xml><?xml version="1.0" encoding="utf-8"?>
-<p:sld xmlns:a="http://schemas.openxmlformats.org/drawingml/2006/main" xmlns:r="http://schemas.openxmlformats.org/officeDocument/2006/relationships" xmlns:p="http://schemas.openxmlformats.org/presentationml/2006/main">
-  <p:cSld>
-    <p:spTree>
-      <p:nvGrpSpPr>
-        <p:cNvPr id="1" name=""/>
-        <p:cNvGrpSpPr/>
-        <p:nvPr/>
-      </p:nvGrpSpPr>
-      <p:grpSpPr>
-        <a:xfrm>
-          <a:off x="0" y="0"/>
-          <a:ext cx="0" cy="0"/>
-          <a:chOff x="0" y="0"/>
-          <a:chExt cx="0" cy="0"/>
-        </a:xfrm>
-      </p:grpSpPr>
-    </p:spTree>
-    <p:extLst>
-      <p:ext uri="{BB962C8B-B14F-4D97-AF65-F5344CB8AC3E}">
-        <p14:creationId xmlns:p14="http://schemas.microsoft.com/office/powerpoint/2010/main" val="1378349370"/>
-      </p:ext>
-    </p:extLst>
-  </p:cSld>
-  <p:clrMapOvr>
-    <a:masterClrMapping/>
-  </p:clrMapOvr>
-</p:sld>
-</file>
-
-<file path=ppt/slides/slide11.xml><?xml version="1.0" encoding="utf-8"?>
-<p:sld xmlns:a="http://schemas.openxmlformats.org/drawingml/2006/main" xmlns:r="http://schemas.openxmlformats.org/officeDocument/2006/relationships" xmlns:p="http://schemas.openxmlformats.org/presentationml/2006/main">
-  <p:cSld>
-    <p:spTree>
-      <p:nvGrpSpPr>
-        <p:cNvPr id="1" name=""/>
-        <p:cNvGrpSpPr/>
-        <p:nvPr/>
-      </p:nvGrpSpPr>
-      <p:grpSpPr>
-        <a:xfrm>
-          <a:off x="0" y="0"/>
-          <a:ext cx="0" cy="0"/>
-          <a:chOff x="0" y="0"/>
-          <a:chExt cx="0" cy="0"/>
-        </a:xfrm>
-      </p:grpSpPr>
-    </p:spTree>
-    <p:extLst>
-      <p:ext uri="{BB962C8B-B14F-4D97-AF65-F5344CB8AC3E}">
-        <p14:creationId xmlns:p14="http://schemas.microsoft.com/office/powerpoint/2010/main" val="4168132509"/>
-      </p:ext>
-    </p:extLst>
-  </p:cSld>
-  <p:clrMapOvr>
-    <a:masterClrMapping/>
-  </p:clrMapOvr>
-</p:sld>
-</file>
-
-<file path=ppt/slides/slide12.xml><?xml version="1.0" encoding="utf-8"?>
-<p:sld xmlns:a="http://schemas.openxmlformats.org/drawingml/2006/main" xmlns:r="http://schemas.openxmlformats.org/officeDocument/2006/relationships" xmlns:p="http://schemas.openxmlformats.org/presentationml/2006/main">
-  <p:cSld>
-    <p:spTree>
-      <p:nvGrpSpPr>
-        <p:cNvPr id="1" name=""/>
-        <p:cNvGrpSpPr/>
-        <p:nvPr/>
-      </p:nvGrpSpPr>
-      <p:grpSpPr>
-        <a:xfrm>
-          <a:off x="0" y="0"/>
-          <a:ext cx="0" cy="0"/>
-          <a:chOff x="0" y="0"/>
-          <a:chExt cx="0" cy="0"/>
-        </a:xfrm>
-      </p:grpSpPr>
-    </p:spTree>
-    <p:extLst>
-      <p:ext uri="{BB962C8B-B14F-4D97-AF65-F5344CB8AC3E}">
-        <p14:creationId xmlns:p14="http://schemas.microsoft.com/office/powerpoint/2010/main" val="1395308068"/>
       </p:ext>
     </p:extLst>
   </p:cSld>
@@ -10257,7 +10161,7 @@
         </p:nvSpPr>
         <p:spPr>
           <a:xfrm>
-            <a:off x="2381689" y="542260"/>
+            <a:off x="2355608" y="574669"/>
             <a:ext cx="3115339" cy="1541721"/>
           </a:xfrm>
           <a:prstGeom prst="rect">
@@ -10467,381 +10371,74 @@
           </a:p>
         </p:txBody>
       </p:sp>
-      <p:grpSp>
-        <p:nvGrpSpPr>
-          <p:cNvPr id="7" name="그룹 6">
-            <a:extLst>
-              <a:ext uri="{FF2B5EF4-FFF2-40B4-BE49-F238E27FC236}">
-                <a16:creationId xmlns:a16="http://schemas.microsoft.com/office/drawing/2014/main" id="{42FE8260-E737-4F60-8165-ECBBE784DBD3}"/>
-              </a:ext>
-            </a:extLst>
-          </p:cNvPr>
-          <p:cNvGrpSpPr/>
-          <p:nvPr/>
-        </p:nvGrpSpPr>
-        <p:grpSpPr>
+      <p:sp>
+        <p:nvSpPr>
+          <p:cNvPr id="5" name="TextBox 4">
+            <a:extLst>
+              <a:ext uri="{FF2B5EF4-FFF2-40B4-BE49-F238E27FC236}">
+                <a16:creationId xmlns:a16="http://schemas.microsoft.com/office/drawing/2014/main" id="{4483FAA1-0594-4FC1-81E8-73AF270836D9}"/>
+              </a:ext>
+            </a:extLst>
+          </p:cNvPr>
+          <p:cNvSpPr txBox="1"/>
+          <p:nvPr/>
+        </p:nvSpPr>
+        <p:spPr>
           <a:xfrm>
             <a:off x="2488009" y="714115"/>
-            <a:ext cx="1084517" cy="276999"/>
-            <a:chOff x="7293935" y="1988288"/>
-            <a:chExt cx="1084517" cy="276999"/>
-          </a:xfrm>
-        </p:grpSpPr>
-        <p:sp>
-          <p:nvSpPr>
-            <p:cNvPr id="5" name="TextBox 4">
-              <a:extLst>
-                <a:ext uri="{FF2B5EF4-FFF2-40B4-BE49-F238E27FC236}">
-                  <a16:creationId xmlns:a16="http://schemas.microsoft.com/office/drawing/2014/main" id="{4483FAA1-0594-4FC1-81E8-73AF270836D9}"/>
-                </a:ext>
-              </a:extLst>
-            </p:cNvPr>
-            <p:cNvSpPr txBox="1"/>
-            <p:nvPr/>
-          </p:nvSpPr>
-          <p:spPr>
-            <a:xfrm>
-              <a:off x="7293935" y="1988288"/>
-              <a:ext cx="646331" cy="276999"/>
-            </a:xfrm>
-            <a:prstGeom prst="rect">
-              <a:avLst/>
-            </a:prstGeom>
-            <a:noFill/>
-          </p:spPr>
-          <p:txBody>
-            <a:bodyPr wrap="none" rtlCol="0">
-              <a:spAutoFit/>
-            </a:bodyPr>
-            <a:lstStyle/>
-            <a:p>
-              <a:r>
-                <a:rPr lang="ko-KR" altLang="en-US" sz="1200" dirty="0" err="1"/>
-                <a:t>배경음</a:t>
-              </a:r>
-              <a:endParaRPr lang="ko-KR" altLang="en-US" sz="1200" dirty="0"/>
-            </a:p>
-          </p:txBody>
-        </p:sp>
-        <p:sp>
-          <p:nvSpPr>
-            <p:cNvPr id="6" name="직사각형 5">
-              <a:extLst>
-                <a:ext uri="{FF2B5EF4-FFF2-40B4-BE49-F238E27FC236}">
-                  <a16:creationId xmlns:a16="http://schemas.microsoft.com/office/drawing/2014/main" id="{66F92F03-0CCB-4B77-945E-8286756E5BFA}"/>
-                </a:ext>
-              </a:extLst>
-            </p:cNvPr>
-            <p:cNvSpPr/>
-            <p:nvPr/>
-          </p:nvSpPr>
-          <p:spPr>
-            <a:xfrm>
-              <a:off x="7940266" y="1988288"/>
-              <a:ext cx="438186" cy="276999"/>
-            </a:xfrm>
-            <a:prstGeom prst="rect">
-              <a:avLst/>
-            </a:prstGeom>
-            <a:ln w="28575">
-              <a:solidFill>
-                <a:schemeClr val="accent6"/>
-              </a:solidFill>
-            </a:ln>
-          </p:spPr>
-          <p:style>
-            <a:lnRef idx="2">
-              <a:schemeClr val="accent2"/>
-            </a:lnRef>
-            <a:fillRef idx="1">
-              <a:schemeClr val="lt1"/>
-            </a:fillRef>
-            <a:effectRef idx="0">
-              <a:schemeClr val="accent2"/>
-            </a:effectRef>
-            <a:fontRef idx="minor">
-              <a:schemeClr val="dk1"/>
-            </a:fontRef>
-          </p:style>
-          <p:txBody>
-            <a:bodyPr rtlCol="0" anchor="ctr"/>
-            <a:lstStyle/>
-            <a:p>
-              <a:pPr algn="ctr"/>
-              <a:r>
-                <a:rPr lang="en-US" altLang="ko-KR" sz="1200" dirty="0"/>
-                <a:t>On</a:t>
-              </a:r>
-              <a:endParaRPr lang="ko-KR" altLang="en-US" sz="1200" dirty="0"/>
-            </a:p>
-          </p:txBody>
-        </p:sp>
-      </p:grpSp>
-      <p:grpSp>
-        <p:nvGrpSpPr>
-          <p:cNvPr id="29" name="그룹 28">
-            <a:extLst>
-              <a:ext uri="{FF2B5EF4-FFF2-40B4-BE49-F238E27FC236}">
-                <a16:creationId xmlns:a16="http://schemas.microsoft.com/office/drawing/2014/main" id="{60D2723F-AE33-4E0B-841B-6434EC7EBC77}"/>
-              </a:ext>
-            </a:extLst>
-          </p:cNvPr>
-          <p:cNvGrpSpPr/>
-          <p:nvPr/>
-        </p:nvGrpSpPr>
-        <p:grpSpPr>
-          <a:xfrm>
-            <a:off x="4029728" y="714114"/>
-            <a:ext cx="1084517" cy="276999"/>
-            <a:chOff x="7293935" y="1988288"/>
-            <a:chExt cx="1084517" cy="276999"/>
-          </a:xfrm>
-        </p:grpSpPr>
-        <p:sp>
-          <p:nvSpPr>
-            <p:cNvPr id="30" name="TextBox 29">
-              <a:extLst>
-                <a:ext uri="{FF2B5EF4-FFF2-40B4-BE49-F238E27FC236}">
-                  <a16:creationId xmlns:a16="http://schemas.microsoft.com/office/drawing/2014/main" id="{EDDE192F-3054-4FCF-A892-4FC801FA5DB5}"/>
-                </a:ext>
-              </a:extLst>
-            </p:cNvPr>
-            <p:cNvSpPr txBox="1"/>
-            <p:nvPr/>
-          </p:nvSpPr>
-          <p:spPr>
-            <a:xfrm>
-              <a:off x="7293935" y="1988288"/>
-              <a:ext cx="646331" cy="276999"/>
-            </a:xfrm>
-            <a:prstGeom prst="rect">
-              <a:avLst/>
-            </a:prstGeom>
-            <a:noFill/>
-          </p:spPr>
-          <p:txBody>
-            <a:bodyPr wrap="none" rtlCol="0">
-              <a:spAutoFit/>
-            </a:bodyPr>
-            <a:lstStyle/>
-            <a:p>
-              <a:r>
-                <a:rPr lang="ko-KR" altLang="en-US" sz="1200" dirty="0"/>
-                <a:t>효과음</a:t>
-              </a:r>
-            </a:p>
-          </p:txBody>
-        </p:sp>
-        <p:sp>
-          <p:nvSpPr>
-            <p:cNvPr id="34" name="직사각형 33">
-              <a:extLst>
-                <a:ext uri="{FF2B5EF4-FFF2-40B4-BE49-F238E27FC236}">
-                  <a16:creationId xmlns:a16="http://schemas.microsoft.com/office/drawing/2014/main" id="{3EE553C5-7390-43F8-A434-5B50C49F21BB}"/>
-                </a:ext>
-              </a:extLst>
-            </p:cNvPr>
-            <p:cNvSpPr/>
-            <p:nvPr/>
-          </p:nvSpPr>
-          <p:spPr>
-            <a:xfrm>
-              <a:off x="7940266" y="1988288"/>
-              <a:ext cx="438186" cy="276999"/>
-            </a:xfrm>
-            <a:prstGeom prst="rect">
-              <a:avLst/>
-            </a:prstGeom>
-            <a:ln w="28575">
-              <a:solidFill>
-                <a:srgbClr val="FF0000"/>
-              </a:solidFill>
-            </a:ln>
-          </p:spPr>
-          <p:style>
-            <a:lnRef idx="2">
-              <a:schemeClr val="accent2"/>
-            </a:lnRef>
-            <a:fillRef idx="1">
-              <a:schemeClr val="lt1"/>
-            </a:fillRef>
-            <a:effectRef idx="0">
-              <a:schemeClr val="accent2"/>
-            </a:effectRef>
-            <a:fontRef idx="minor">
-              <a:schemeClr val="dk1"/>
-            </a:fontRef>
-          </p:style>
-          <p:txBody>
-            <a:bodyPr rtlCol="0" anchor="ctr"/>
-            <a:lstStyle/>
-            <a:p>
-              <a:pPr algn="ctr"/>
-              <a:r>
-                <a:rPr lang="en-US" altLang="ko-KR" sz="1200" dirty="0"/>
-                <a:t>Off</a:t>
-              </a:r>
-              <a:endParaRPr lang="ko-KR" altLang="en-US" sz="1200" dirty="0"/>
-            </a:p>
-          </p:txBody>
-        </p:sp>
-      </p:grpSp>
-      <p:grpSp>
-        <p:nvGrpSpPr>
-          <p:cNvPr id="35" name="그룹 34">
-            <a:extLst>
-              <a:ext uri="{FF2B5EF4-FFF2-40B4-BE49-F238E27FC236}">
-                <a16:creationId xmlns:a16="http://schemas.microsoft.com/office/drawing/2014/main" id="{D06BC1C1-9951-4D9C-AE07-6B0B4C90B66F}"/>
-              </a:ext>
-            </a:extLst>
-          </p:cNvPr>
-          <p:cNvGrpSpPr/>
-          <p:nvPr/>
-        </p:nvGrpSpPr>
-        <p:grpSpPr>
-          <a:xfrm>
-            <a:off x="2488009" y="1160447"/>
-            <a:ext cx="2024360" cy="276999"/>
-            <a:chOff x="7293935" y="1988288"/>
-            <a:chExt cx="2024360" cy="276999"/>
-          </a:xfrm>
-        </p:grpSpPr>
-        <p:sp>
-          <p:nvSpPr>
-            <p:cNvPr id="36" name="TextBox 35">
-              <a:extLst>
-                <a:ext uri="{FF2B5EF4-FFF2-40B4-BE49-F238E27FC236}">
-                  <a16:creationId xmlns:a16="http://schemas.microsoft.com/office/drawing/2014/main" id="{C14A1564-95B4-4667-82E9-DA35CEA04EA1}"/>
-                </a:ext>
-              </a:extLst>
-            </p:cNvPr>
-            <p:cNvSpPr txBox="1"/>
-            <p:nvPr/>
-          </p:nvSpPr>
-          <p:spPr>
-            <a:xfrm>
-              <a:off x="7293935" y="1988288"/>
-              <a:ext cx="1446293" cy="276999"/>
-            </a:xfrm>
-            <a:prstGeom prst="rect">
-              <a:avLst/>
-            </a:prstGeom>
-            <a:noFill/>
-          </p:spPr>
-          <p:txBody>
-            <a:bodyPr wrap="none" rtlCol="0">
-              <a:spAutoFit/>
-            </a:bodyPr>
-            <a:lstStyle/>
-            <a:p>
-              <a:r>
-                <a:rPr lang="ko-KR" altLang="en-US" sz="1200" dirty="0"/>
-                <a:t>데이터 </a:t>
-              </a:r>
-              <a:r>
-                <a:rPr lang="en-US" altLang="ko-KR" sz="1200" dirty="0"/>
-                <a:t>Save, Load</a:t>
-              </a:r>
-              <a:endParaRPr lang="ko-KR" altLang="en-US" sz="1200" dirty="0"/>
-            </a:p>
-          </p:txBody>
-        </p:sp>
-        <p:sp>
-          <p:nvSpPr>
-            <p:cNvPr id="37" name="직사각형 36">
-              <a:extLst>
-                <a:ext uri="{FF2B5EF4-FFF2-40B4-BE49-F238E27FC236}">
-                  <a16:creationId xmlns:a16="http://schemas.microsoft.com/office/drawing/2014/main" id="{831ABFF5-21F1-4FAD-962F-365791429BF4}"/>
-                </a:ext>
-              </a:extLst>
-            </p:cNvPr>
-            <p:cNvSpPr/>
-            <p:nvPr/>
-          </p:nvSpPr>
-          <p:spPr>
-            <a:xfrm>
-              <a:off x="8740228" y="1988288"/>
-              <a:ext cx="578067" cy="276999"/>
-            </a:xfrm>
-            <a:prstGeom prst="rect">
-              <a:avLst/>
-            </a:prstGeom>
-            <a:ln w="28575"/>
-          </p:spPr>
-          <p:style>
-            <a:lnRef idx="2">
-              <a:schemeClr val="accent2"/>
-            </a:lnRef>
-            <a:fillRef idx="1">
-              <a:schemeClr val="lt1"/>
-            </a:fillRef>
-            <a:effectRef idx="0">
-              <a:schemeClr val="accent2"/>
-            </a:effectRef>
-            <a:fontRef idx="minor">
-              <a:schemeClr val="dk1"/>
-            </a:fontRef>
-          </p:style>
-          <p:txBody>
-            <a:bodyPr rtlCol="0" anchor="ctr"/>
-            <a:lstStyle/>
-            <a:p>
-              <a:pPr algn="ctr"/>
-              <a:r>
-                <a:rPr lang="en-US" altLang="ko-KR" sz="1200" dirty="0"/>
-                <a:t>Save</a:t>
-              </a:r>
-              <a:endParaRPr lang="ko-KR" altLang="en-US" sz="1200" dirty="0"/>
-            </a:p>
-          </p:txBody>
-        </p:sp>
-      </p:grpSp>
-      <p:sp>
-        <p:nvSpPr>
-          <p:cNvPr id="40" name="직사각형 39">
-            <a:extLst>
-              <a:ext uri="{FF2B5EF4-FFF2-40B4-BE49-F238E27FC236}">
-                <a16:creationId xmlns:a16="http://schemas.microsoft.com/office/drawing/2014/main" id="{76A04C39-7849-4CFE-B451-601976F973F5}"/>
-              </a:ext>
-            </a:extLst>
-          </p:cNvPr>
-          <p:cNvSpPr/>
-          <p:nvPr/>
-        </p:nvSpPr>
-        <p:spPr>
-          <a:xfrm>
-            <a:off x="4676058" y="1162218"/>
-            <a:ext cx="550905" cy="276999"/>
-          </a:xfrm>
-          <a:prstGeom prst="rect">
-            <a:avLst/>
-          </a:prstGeom>
-          <a:ln w="28575"/>
-        </p:spPr>
-        <p:style>
-          <a:lnRef idx="2">
-            <a:schemeClr val="accent2"/>
-          </a:lnRef>
-          <a:fillRef idx="1">
-            <a:schemeClr val="lt1"/>
-          </a:fillRef>
-          <a:effectRef idx="0">
-            <a:schemeClr val="accent2"/>
-          </a:effectRef>
-          <a:fontRef idx="minor">
-            <a:schemeClr val="dk1"/>
-          </a:fontRef>
-        </p:style>
-        <p:txBody>
-          <a:bodyPr rtlCol="0" anchor="ctr"/>
-          <a:lstStyle/>
-          <a:p>
-            <a:pPr algn="ctr"/>
-            <a:r>
-              <a:rPr lang="en-US" altLang="ko-KR" sz="1200" dirty="0"/>
-              <a:t>Load</a:t>
+            <a:ext cx="646331" cy="276999"/>
+          </a:xfrm>
+          <a:prstGeom prst="rect">
+            <a:avLst/>
+          </a:prstGeom>
+          <a:noFill/>
+        </p:spPr>
+        <p:txBody>
+          <a:bodyPr wrap="none" rtlCol="0">
+            <a:spAutoFit/>
+          </a:bodyPr>
+          <a:lstStyle/>
+          <a:p>
+            <a:r>
+              <a:rPr lang="ko-KR" altLang="en-US" sz="1200" dirty="0" err="1"/>
+              <a:t>배경음</a:t>
             </a:r>
             <a:endParaRPr lang="ko-KR" altLang="en-US" sz="1200" dirty="0"/>
+          </a:p>
+        </p:txBody>
+      </p:sp>
+      <p:sp>
+        <p:nvSpPr>
+          <p:cNvPr id="30" name="TextBox 29">
+            <a:extLst>
+              <a:ext uri="{FF2B5EF4-FFF2-40B4-BE49-F238E27FC236}">
+                <a16:creationId xmlns:a16="http://schemas.microsoft.com/office/drawing/2014/main" id="{EDDE192F-3054-4FCF-A892-4FC801FA5DB5}"/>
+              </a:ext>
+            </a:extLst>
+          </p:cNvPr>
+          <p:cNvSpPr txBox="1"/>
+          <p:nvPr/>
+        </p:nvSpPr>
+        <p:spPr>
+          <a:xfrm>
+            <a:off x="2488009" y="1049045"/>
+            <a:ext cx="646331" cy="276999"/>
+          </a:xfrm>
+          <a:prstGeom prst="rect">
+            <a:avLst/>
+          </a:prstGeom>
+          <a:noFill/>
+        </p:spPr>
+        <p:txBody>
+          <a:bodyPr wrap="none" rtlCol="0">
+            <a:spAutoFit/>
+          </a:bodyPr>
+          <a:lstStyle/>
+          <a:p>
+            <a:r>
+              <a:rPr lang="ko-KR" altLang="en-US" sz="1200" dirty="0"/>
+              <a:t>효과음</a:t>
+            </a:r>
           </a:p>
         </p:txBody>
       </p:sp>
@@ -10909,7 +10506,7 @@
         <p:spPr>
           <a:xfrm>
             <a:off x="5497028" y="1723477"/>
-            <a:ext cx="2865637" cy="553998"/>
+            <a:ext cx="2865637" cy="323165"/>
           </a:xfrm>
           <a:prstGeom prst="rect">
             <a:avLst/>
@@ -10924,39 +10521,364 @@
           <a:p>
             <a:r>
               <a:rPr lang="ko-KR" altLang="en-US" sz="1500" dirty="0" err="1"/>
-              <a:t>토글</a:t>
+              <a:t>배경음</a:t>
             </a:r>
             <a:r>
               <a:rPr lang="ko-KR" altLang="en-US" sz="1500" dirty="0"/>
-              <a:t> 버튼</a:t>
-            </a:r>
-            <a:r>
-              <a:rPr lang="en-US" altLang="ko-KR" sz="1500" dirty="0"/>
-              <a:t>, </a:t>
-            </a:r>
-            <a:r>
-              <a:rPr lang="ko-KR" altLang="en-US" sz="1500" dirty="0" err="1"/>
-              <a:t>클릭시</a:t>
-            </a:r>
-            <a:r>
-              <a:rPr lang="ko-KR" altLang="en-US" sz="1500" dirty="0"/>
-              <a:t> </a:t>
-            </a:r>
-            <a:r>
-              <a:rPr lang="en-US" altLang="ko-KR" sz="1500" dirty="0" err="1"/>
-              <a:t>On,Off</a:t>
-            </a:r>
-            <a:r>
-              <a:rPr lang="ko-KR" altLang="en-US" sz="1500" dirty="0"/>
-              <a:t> 상태 변경</a:t>
-            </a:r>
-            <a:r>
-              <a:rPr lang="en-US" altLang="ko-KR" sz="1500" dirty="0"/>
-              <a:t>, </a:t>
-            </a:r>
-            <a:r>
-              <a:rPr lang="ko-KR" altLang="en-US" sz="1500" dirty="0"/>
-              <a:t>설정 적용</a:t>
+              <a:t> 효과음 설정조절</a:t>
+            </a:r>
+          </a:p>
+        </p:txBody>
+      </p:sp>
+      <p:sp>
+        <p:nvSpPr>
+          <p:cNvPr id="2" name="직사각형 1">
+            <a:extLst>
+              <a:ext uri="{FF2B5EF4-FFF2-40B4-BE49-F238E27FC236}">
+                <a16:creationId xmlns:a16="http://schemas.microsoft.com/office/drawing/2014/main" id="{0512DDF5-EB07-401B-99B6-92972F392C43}"/>
+              </a:ext>
+            </a:extLst>
+          </p:cNvPr>
+          <p:cNvSpPr/>
+          <p:nvPr/>
+        </p:nvSpPr>
+        <p:spPr>
+          <a:xfrm>
+            <a:off x="3179131" y="820302"/>
+            <a:ext cx="1999261" cy="74848"/>
+          </a:xfrm>
+          <a:prstGeom prst="rect">
+            <a:avLst/>
+          </a:prstGeom>
+          <a:solidFill>
+            <a:schemeClr val="tx2"/>
+          </a:solidFill>
+        </p:spPr>
+        <p:style>
+          <a:lnRef idx="2">
+            <a:schemeClr val="accent1">
+              <a:shade val="50000"/>
+            </a:schemeClr>
+          </a:lnRef>
+          <a:fillRef idx="1">
+            <a:schemeClr val="accent1"/>
+          </a:fillRef>
+          <a:effectRef idx="0">
+            <a:schemeClr val="accent1"/>
+          </a:effectRef>
+          <a:fontRef idx="minor">
+            <a:schemeClr val="lt1"/>
+          </a:fontRef>
+        </p:style>
+        <p:txBody>
+          <a:bodyPr rtlCol="0" anchor="ctr"/>
+          <a:lstStyle/>
+          <a:p>
+            <a:pPr algn="ctr"/>
+            <a:endParaRPr lang="ko-KR" altLang="en-US"/>
+          </a:p>
+        </p:txBody>
+      </p:sp>
+      <p:sp>
+        <p:nvSpPr>
+          <p:cNvPr id="3" name="직사각형 2">
+            <a:extLst>
+              <a:ext uri="{FF2B5EF4-FFF2-40B4-BE49-F238E27FC236}">
+                <a16:creationId xmlns:a16="http://schemas.microsoft.com/office/drawing/2014/main" id="{135E4ED7-7D70-409E-BE82-E034DD6B6489}"/>
+              </a:ext>
+            </a:extLst>
+          </p:cNvPr>
+          <p:cNvSpPr/>
+          <p:nvPr/>
+        </p:nvSpPr>
+        <p:spPr>
+          <a:xfrm>
+            <a:off x="3179131" y="1175737"/>
+            <a:ext cx="1999261" cy="74848"/>
+          </a:xfrm>
+          <a:prstGeom prst="rect">
+            <a:avLst/>
+          </a:prstGeom>
+          <a:solidFill>
+            <a:schemeClr val="tx2"/>
+          </a:solidFill>
+        </p:spPr>
+        <p:style>
+          <a:lnRef idx="2">
+            <a:schemeClr val="accent1">
+              <a:shade val="50000"/>
+            </a:schemeClr>
+          </a:lnRef>
+          <a:fillRef idx="1">
+            <a:schemeClr val="accent1"/>
+          </a:fillRef>
+          <a:effectRef idx="0">
+            <a:schemeClr val="accent1"/>
+          </a:effectRef>
+          <a:fontRef idx="minor">
+            <a:schemeClr val="lt1"/>
+          </a:fontRef>
+        </p:style>
+        <p:txBody>
+          <a:bodyPr rtlCol="0" anchor="ctr"/>
+          <a:lstStyle/>
+          <a:p>
+            <a:pPr algn="ctr"/>
+            <a:endParaRPr lang="ko-KR" altLang="en-US"/>
+          </a:p>
+        </p:txBody>
+      </p:sp>
+      <p:sp>
+        <p:nvSpPr>
+          <p:cNvPr id="4" name="타원 3">
+            <a:extLst>
+              <a:ext uri="{FF2B5EF4-FFF2-40B4-BE49-F238E27FC236}">
+                <a16:creationId xmlns:a16="http://schemas.microsoft.com/office/drawing/2014/main" id="{B8BC26A5-CD8D-40B7-9F97-2EBC34064314}"/>
+              </a:ext>
+            </a:extLst>
+          </p:cNvPr>
+          <p:cNvSpPr/>
+          <p:nvPr/>
+        </p:nvSpPr>
+        <p:spPr>
+          <a:xfrm>
+            <a:off x="4325922" y="745772"/>
+            <a:ext cx="221323" cy="202151"/>
+          </a:xfrm>
+          <a:prstGeom prst="ellipse">
+            <a:avLst/>
+          </a:prstGeom>
+          <a:solidFill>
+            <a:schemeClr val="bg1"/>
+          </a:solidFill>
+        </p:spPr>
+        <p:style>
+          <a:lnRef idx="2">
+            <a:schemeClr val="accent1">
+              <a:shade val="50000"/>
+            </a:schemeClr>
+          </a:lnRef>
+          <a:fillRef idx="1">
+            <a:schemeClr val="accent1"/>
+          </a:fillRef>
+          <a:effectRef idx="0">
+            <a:schemeClr val="accent1"/>
+          </a:effectRef>
+          <a:fontRef idx="minor">
+            <a:schemeClr val="lt1"/>
+          </a:fontRef>
+        </p:style>
+        <p:txBody>
+          <a:bodyPr rtlCol="0" anchor="ctr"/>
+          <a:lstStyle/>
+          <a:p>
+            <a:pPr algn="ctr"/>
+            <a:endParaRPr lang="ko-KR" altLang="en-US"/>
+          </a:p>
+        </p:txBody>
+      </p:sp>
+      <p:sp>
+        <p:nvSpPr>
+          <p:cNvPr id="9" name="타원 8">
+            <a:extLst>
+              <a:ext uri="{FF2B5EF4-FFF2-40B4-BE49-F238E27FC236}">
+                <a16:creationId xmlns:a16="http://schemas.microsoft.com/office/drawing/2014/main" id="{A8165F8A-49F6-474B-B239-08C32C96202A}"/>
+              </a:ext>
+            </a:extLst>
+          </p:cNvPr>
+          <p:cNvSpPr/>
+          <p:nvPr/>
+        </p:nvSpPr>
+        <p:spPr>
+          <a:xfrm>
+            <a:off x="3900541" y="1107262"/>
+            <a:ext cx="221323" cy="202151"/>
+          </a:xfrm>
+          <a:prstGeom prst="ellipse">
+            <a:avLst/>
+          </a:prstGeom>
+          <a:solidFill>
+            <a:schemeClr val="bg1"/>
+          </a:solidFill>
+        </p:spPr>
+        <p:style>
+          <a:lnRef idx="2">
+            <a:schemeClr val="accent1">
+              <a:shade val="50000"/>
+            </a:schemeClr>
+          </a:lnRef>
+          <a:fillRef idx="1">
+            <a:schemeClr val="accent1"/>
+          </a:fillRef>
+          <a:effectRef idx="0">
+            <a:schemeClr val="accent1"/>
+          </a:effectRef>
+          <a:fontRef idx="minor">
+            <a:schemeClr val="lt1"/>
+          </a:fontRef>
+        </p:style>
+        <p:txBody>
+          <a:bodyPr rtlCol="0" anchor="ctr"/>
+          <a:lstStyle/>
+          <a:p>
+            <a:pPr algn="ctr"/>
+            <a:endParaRPr lang="ko-KR" altLang="en-US"/>
+          </a:p>
+        </p:txBody>
+      </p:sp>
+      <p:sp>
+        <p:nvSpPr>
+          <p:cNvPr id="10" name="직사각형 9">
+            <a:extLst>
+              <a:ext uri="{FF2B5EF4-FFF2-40B4-BE49-F238E27FC236}">
+                <a16:creationId xmlns:a16="http://schemas.microsoft.com/office/drawing/2014/main" id="{785C67E7-1B29-49FD-9B8E-E4B5DEDD50EE}"/>
+              </a:ext>
+            </a:extLst>
+          </p:cNvPr>
+          <p:cNvSpPr/>
+          <p:nvPr/>
+        </p:nvSpPr>
+        <p:spPr>
+          <a:xfrm>
+            <a:off x="2621400" y="1411254"/>
+            <a:ext cx="512940" cy="369332"/>
+          </a:xfrm>
+          <a:prstGeom prst="rect">
+            <a:avLst/>
+          </a:prstGeom>
+          <a:solidFill>
+            <a:schemeClr val="tx2"/>
+          </a:solidFill>
+        </p:spPr>
+        <p:style>
+          <a:lnRef idx="2">
+            <a:schemeClr val="accent1">
+              <a:shade val="50000"/>
+            </a:schemeClr>
+          </a:lnRef>
+          <a:fillRef idx="1">
+            <a:schemeClr val="accent1"/>
+          </a:fillRef>
+          <a:effectRef idx="0">
+            <a:schemeClr val="accent1"/>
+          </a:effectRef>
+          <a:fontRef idx="minor">
+            <a:schemeClr val="lt1"/>
+          </a:fontRef>
+        </p:style>
+        <p:txBody>
+          <a:bodyPr rtlCol="0" anchor="ctr"/>
+          <a:lstStyle/>
+          <a:p>
+            <a:pPr algn="ctr"/>
+            <a:r>
+              <a:rPr lang="en-US" altLang="ko-KR" sz="1000" dirty="0"/>
+              <a:t>mute</a:t>
+            </a:r>
+            <a:endParaRPr lang="ko-KR" altLang="en-US" sz="1000" dirty="0"/>
+          </a:p>
+        </p:txBody>
+      </p:sp>
+      <p:sp>
+        <p:nvSpPr>
+          <p:cNvPr id="31" name="직사각형 30">
+            <a:extLst>
+              <a:ext uri="{FF2B5EF4-FFF2-40B4-BE49-F238E27FC236}">
+                <a16:creationId xmlns:a16="http://schemas.microsoft.com/office/drawing/2014/main" id="{58A4BB21-ED13-4BA5-BBBA-DD1F575F2F31}"/>
+              </a:ext>
+            </a:extLst>
+          </p:cNvPr>
+          <p:cNvSpPr/>
+          <p:nvPr/>
+        </p:nvSpPr>
+        <p:spPr>
+          <a:xfrm>
+            <a:off x="3682888" y="1411254"/>
+            <a:ext cx="512940" cy="369332"/>
+          </a:xfrm>
+          <a:prstGeom prst="rect">
+            <a:avLst/>
+          </a:prstGeom>
+          <a:solidFill>
+            <a:schemeClr val="tx2"/>
+          </a:solidFill>
+        </p:spPr>
+        <p:style>
+          <a:lnRef idx="2">
+            <a:schemeClr val="accent1">
+              <a:shade val="50000"/>
+            </a:schemeClr>
+          </a:lnRef>
+          <a:fillRef idx="1">
+            <a:schemeClr val="accent1"/>
+          </a:fillRef>
+          <a:effectRef idx="0">
+            <a:schemeClr val="accent1"/>
+          </a:effectRef>
+          <a:fontRef idx="minor">
+            <a:schemeClr val="lt1"/>
+          </a:fontRef>
+        </p:style>
+        <p:txBody>
+          <a:bodyPr rtlCol="0" anchor="ctr"/>
+          <a:lstStyle/>
+          <a:p>
+            <a:pPr algn="ctr"/>
+            <a:r>
+              <a:rPr lang="ko-KR" altLang="en-US" sz="900" dirty="0"/>
+              <a:t>진동</a:t>
+            </a:r>
+          </a:p>
+        </p:txBody>
+      </p:sp>
+      <p:sp>
+        <p:nvSpPr>
+          <p:cNvPr id="32" name="직사각형 31">
+            <a:extLst>
+              <a:ext uri="{FF2B5EF4-FFF2-40B4-BE49-F238E27FC236}">
+                <a16:creationId xmlns:a16="http://schemas.microsoft.com/office/drawing/2014/main" id="{D98AE3D0-569B-4BBD-A68D-A1095DCFFDFE}"/>
+              </a:ext>
+            </a:extLst>
+          </p:cNvPr>
+          <p:cNvSpPr/>
+          <p:nvPr/>
+        </p:nvSpPr>
+        <p:spPr>
+          <a:xfrm>
+            <a:off x="4683318" y="1411254"/>
+            <a:ext cx="512940" cy="369332"/>
+          </a:xfrm>
+          <a:prstGeom prst="rect">
+            <a:avLst/>
+          </a:prstGeom>
+          <a:solidFill>
+            <a:schemeClr val="tx2"/>
+          </a:solidFill>
+        </p:spPr>
+        <p:style>
+          <a:lnRef idx="2">
+            <a:schemeClr val="accent1">
+              <a:shade val="50000"/>
+            </a:schemeClr>
+          </a:lnRef>
+          <a:fillRef idx="1">
+            <a:schemeClr val="accent1"/>
+          </a:fillRef>
+          <a:effectRef idx="0">
+            <a:schemeClr val="accent1"/>
+          </a:effectRef>
+          <a:fontRef idx="minor">
+            <a:schemeClr val="lt1"/>
+          </a:fontRef>
+        </p:style>
+        <p:txBody>
+          <a:bodyPr rtlCol="0" anchor="ctr"/>
+          <a:lstStyle/>
+          <a:p>
+            <a:pPr algn="ctr"/>
+            <a:r>
+              <a:rPr lang="ko-KR" altLang="en-US" sz="1000" dirty="0"/>
+              <a:t>쿠폰</a:t>
             </a:r>
           </a:p>
         </p:txBody>
@@ -10995,96 +10917,6 @@
     <p:extLst>
       <p:ext uri="{BB962C8B-B14F-4D97-AF65-F5344CB8AC3E}">
         <p14:creationId xmlns:p14="http://schemas.microsoft.com/office/powerpoint/2010/main" val="549816235"/>
-      </p:ext>
-    </p:extLst>
-  </p:cSld>
-  <p:clrMapOvr>
-    <a:masterClrMapping/>
-  </p:clrMapOvr>
-</p:sld>
-</file>
-
-<file path=ppt/slides/slide7.xml><?xml version="1.0" encoding="utf-8"?>
-<p:sld xmlns:a="http://schemas.openxmlformats.org/drawingml/2006/main" xmlns:r="http://schemas.openxmlformats.org/officeDocument/2006/relationships" xmlns:p="http://schemas.openxmlformats.org/presentationml/2006/main">
-  <p:cSld>
-    <p:spTree>
-      <p:nvGrpSpPr>
-        <p:cNvPr id="1" name=""/>
-        <p:cNvGrpSpPr/>
-        <p:nvPr/>
-      </p:nvGrpSpPr>
-      <p:grpSpPr>
-        <a:xfrm>
-          <a:off x="0" y="0"/>
-          <a:ext cx="0" cy="0"/>
-          <a:chOff x="0" y="0"/>
-          <a:chExt cx="0" cy="0"/>
-        </a:xfrm>
-      </p:grpSpPr>
-    </p:spTree>
-    <p:extLst>
-      <p:ext uri="{BB962C8B-B14F-4D97-AF65-F5344CB8AC3E}">
-        <p14:creationId xmlns:p14="http://schemas.microsoft.com/office/powerpoint/2010/main" val="286356586"/>
-      </p:ext>
-    </p:extLst>
-  </p:cSld>
-  <p:clrMapOvr>
-    <a:masterClrMapping/>
-  </p:clrMapOvr>
-</p:sld>
-</file>
-
-<file path=ppt/slides/slide8.xml><?xml version="1.0" encoding="utf-8"?>
-<p:sld xmlns:a="http://schemas.openxmlformats.org/drawingml/2006/main" xmlns:r="http://schemas.openxmlformats.org/officeDocument/2006/relationships" xmlns:p="http://schemas.openxmlformats.org/presentationml/2006/main">
-  <p:cSld>
-    <p:spTree>
-      <p:nvGrpSpPr>
-        <p:cNvPr id="1" name=""/>
-        <p:cNvGrpSpPr/>
-        <p:nvPr/>
-      </p:nvGrpSpPr>
-      <p:grpSpPr>
-        <a:xfrm>
-          <a:off x="0" y="0"/>
-          <a:ext cx="0" cy="0"/>
-          <a:chOff x="0" y="0"/>
-          <a:chExt cx="0" cy="0"/>
-        </a:xfrm>
-      </p:grpSpPr>
-    </p:spTree>
-    <p:extLst>
-      <p:ext uri="{BB962C8B-B14F-4D97-AF65-F5344CB8AC3E}">
-        <p14:creationId xmlns:p14="http://schemas.microsoft.com/office/powerpoint/2010/main" val="1503994682"/>
-      </p:ext>
-    </p:extLst>
-  </p:cSld>
-  <p:clrMapOvr>
-    <a:masterClrMapping/>
-  </p:clrMapOvr>
-</p:sld>
-</file>
-
-<file path=ppt/slides/slide9.xml><?xml version="1.0" encoding="utf-8"?>
-<p:sld xmlns:a="http://schemas.openxmlformats.org/drawingml/2006/main" xmlns:r="http://schemas.openxmlformats.org/officeDocument/2006/relationships" xmlns:p="http://schemas.openxmlformats.org/presentationml/2006/main">
-  <p:cSld>
-    <p:spTree>
-      <p:nvGrpSpPr>
-        <p:cNvPr id="1" name=""/>
-        <p:cNvGrpSpPr/>
-        <p:nvPr/>
-      </p:nvGrpSpPr>
-      <p:grpSpPr>
-        <a:xfrm>
-          <a:off x="0" y="0"/>
-          <a:ext cx="0" cy="0"/>
-          <a:chOff x="0" y="0"/>
-          <a:chExt cx="0" cy="0"/>
-        </a:xfrm>
-      </p:grpSpPr>
-    </p:spTree>
-    <p:extLst>
-      <p:ext uri="{BB962C8B-B14F-4D97-AF65-F5344CB8AC3E}">
-        <p14:creationId xmlns:p14="http://schemas.microsoft.com/office/powerpoint/2010/main" val="2685424130"/>
       </p:ext>
     </p:extLst>
   </p:cSld>
